--- a/Week2_Exercises.pptx
+++ b/Week2_Exercises.pptx
@@ -3635,7 +3635,9 @@
           <a:p>
             <a:pPr algn="just"/>
             <a:r>
-              <a:rPr lang="zh-TW" altLang="en-US" dirty="0"/>
+              <a:rPr lang="zh-TW" altLang="en-US" dirty="0">
+                <a:hlinkClick r:id="rId3"/>
+              </a:rPr>
               <a:t>範例程式碼</a:t>
             </a:r>
             <a:endParaRPr lang="en-US" altLang="zh-TW" dirty="0"/>
@@ -4063,7 +4065,9 @@
           <a:p>
             <a:pPr algn="just"/>
             <a:r>
-              <a:rPr lang="zh-TW" altLang="en-US" dirty="0"/>
+              <a:rPr lang="zh-TW" altLang="en-US" dirty="0">
+                <a:hlinkClick r:id="rId4"/>
+              </a:rPr>
               <a:t>範例程式碼</a:t>
             </a:r>
             <a:endParaRPr lang="en-US" altLang="zh-TW" dirty="0"/>
@@ -4414,7 +4418,9 @@
           <a:p>
             <a:pPr algn="just"/>
             <a:r>
-              <a:rPr lang="zh-TW" altLang="en-US" dirty="0"/>
+              <a:rPr lang="zh-TW" altLang="en-US" dirty="0">
+                <a:hlinkClick r:id="rId3"/>
+              </a:rPr>
               <a:t>範例程式碼</a:t>
             </a:r>
             <a:endParaRPr lang="en-US" altLang="zh-TW" dirty="0"/>
